--- a/my_presentation1.11.pptx
+++ b/my_presentation1.11.pptx
@@ -17,6 +17,7 @@
     <p:sldId id="266" r:id="rId16"/>
     <p:sldId id="267" r:id="rId17"/>
     <p:sldId id="268" r:id="rId18"/>
+    <p:sldId id="269" r:id="rId19"/>
   </p:sldIdLst>
   <p:sldSz cx="12192000" cy="6858000"/>
   <p:notesSz cx="6858000" cy="9144000"/>
@@ -5924,7 +5925,7 @@
           <a:lstStyle/>
           <a:p>
             <a:r>
-              <a:t>Factors Influencing Plant Growth</a:t>
+              <a:t>Environmental Factors</a:t>
             </a:r>
           </a:p>
         </p:txBody>
@@ -5948,31 +5949,19 @@
           <a:p>
             <a:pPr/>
             <a:r>
-              <a:t>Light and temperature</a:t>
+              <a:t>Temperature regulation</a:t>
             </a:r>
           </a:p>
           <a:p>
             <a:pPr/>
             <a:r>
-              <a:t>Water and nutrient availability</a:t>
+              <a:t>Water availability</a:t>
             </a:r>
           </a:p>
           <a:p>
             <a:pPr/>
             <a:r>
-              <a:t>Soil and pH conditions</a:t>
-            </a:r>
-          </a:p>
-          <a:p>
-            <a:pPr/>
-            <a:r>
-              <a:t>Atmospheric gases and pollutants</a:t>
-            </a:r>
-          </a:p>
-          <a:p>
-            <a:pPr/>
-            <a:r>
-              <a:t>Human activities and management</a:t>
+              <a:t>Light exposure</a:t>
             </a:r>
           </a:p>
         </p:txBody>
@@ -6011,7 +6000,7 @@
           <a:lstStyle/>
           <a:p>
             <a:r>
-              <a:t>Plant Importance</a:t>
+              <a:t>Defenses and Adaptations</a:t>
             </a:r>
           </a:p>
         </p:txBody>
@@ -6035,31 +6024,19 @@
           <a:p>
             <a:pPr/>
             <a:r>
-              <a:t>Oxygen production</a:t>
+              <a:t>Thorns and spines</a:t>
             </a:r>
           </a:p>
           <a:p>
             <a:pPr/>
             <a:r>
-              <a:t>Food and fuel sources</a:t>
+              <a:t>Toxins and chemical defenses</a:t>
             </a:r>
           </a:p>
           <a:p>
             <a:pPr/>
             <a:r>
-              <a:t>Ecosystem services</a:t>
-            </a:r>
-          </a:p>
-          <a:p>
-            <a:pPr/>
-            <a:r>
-              <a:t>Medicinal and industrial uses</a:t>
-            </a:r>
-          </a:p>
-          <a:p>
-            <a:pPr/>
-            <a:r>
-              <a:t>Aesthetic and recreational values</a:t>
+              <a:t>Camouflage and mimicry</a:t>
             </a:r>
           </a:p>
         </p:txBody>
@@ -6098,7 +6075,7 @@
           <a:lstStyle/>
           <a:p>
             <a:r>
-              <a:t>Challenges and Threats</a:t>
+              <a:t>Death and Decomposition</a:t>
             </a:r>
           </a:p>
         </p:txBody>
@@ -6122,31 +6099,19 @@
           <a:p>
             <a:pPr/>
             <a:r>
-              <a:t>Climate change and global warming</a:t>
+              <a:t>Senescence and aging</a:t>
             </a:r>
           </a:p>
           <a:p>
             <a:pPr/>
             <a:r>
-              <a:t>Deforestation and habitat destruction</a:t>
+              <a:t>Leaf fall and branch shedding</a:t>
             </a:r>
           </a:p>
           <a:p>
             <a:pPr/>
             <a:r>
-              <a:t>Pollution and soil degradation</a:t>
-            </a:r>
-          </a:p>
-          <a:p>
-            <a:pPr/>
-            <a:r>
-              <a:t>Over-exploitation and resource depletion</a:t>
-            </a:r>
-          </a:p>
-          <a:p>
-            <a:pPr/>
-            <a:r>
-              <a:t>Biodiversity loss and extinction</a:t>
+              <a:t>Nutrient recycling</a:t>
             </a:r>
           </a:p>
         </p:txBody>
@@ -6185,7 +6150,7 @@
           <a:lstStyle/>
           <a:p>
             <a:r>
-              <a:t>Conclusion</a:t>
+              <a:t>Ecosystem Role</a:t>
             </a:r>
           </a:p>
         </p:txBody>
@@ -6209,7 +6174,82 @@
           <a:p>
             <a:pPr/>
             <a:r>
-              <a:t>Understanding the life cycle of plants and their importance can help us appreciate the value of plants in our ecosystem and take steps to conserve and protect them. By doing so, we can ensure the long-term health and sustainability of our planet.</a:t>
+              <a:t>Primary producers</a:t>
+            </a:r>
+          </a:p>
+          <a:p>
+            <a:pPr/>
+            <a:r>
+              <a:t>Food source</a:t>
+            </a:r>
+          </a:p>
+          <a:p>
+            <a:pPr/>
+            <a:r>
+              <a:t>Habitat creation</a:t>
+            </a:r>
+          </a:p>
+        </p:txBody>
+      </p:sp>
+    </p:spTree>
+  </p:cSld>
+  <p:clrMapOvr>
+    <a:masterClrMapping/>
+  </p:clrMapOvr>
+</p:sld>
+</file>
+
+<file path=ppt/slides/slide14.xml><?xml version="1.0" encoding="utf-8"?>
+<p:sld xmlns:a="http://schemas.openxmlformats.org/drawingml/2006/main" xmlns:p="http://schemas.openxmlformats.org/presentationml/2006/main" xmlns:r="http://schemas.openxmlformats.org/officeDocument/2006/relationships">
+  <p:cSld>
+    <p:spTree>
+      <p:nvGrpSpPr>
+        <p:cNvPr id="1" name=""/>
+        <p:cNvGrpSpPr/>
+        <p:nvPr/>
+      </p:nvGrpSpPr>
+      <p:grpSpPr/>
+      <p:sp>
+        <p:nvSpPr>
+          <p:cNvPr id="2" name="Title 1"/>
+          <p:cNvSpPr>
+            <a:spLocks noGrp="1"/>
+          </p:cNvSpPr>
+          <p:nvPr>
+            <p:ph type="title"/>
+          </p:nvPr>
+        </p:nvSpPr>
+        <p:spPr/>
+        <p:txBody>
+          <a:bodyPr/>
+          <a:lstStyle/>
+          <a:p>
+            <a:r>
+              <a:t>Conclusion</a:t>
+            </a:r>
+          </a:p>
+        </p:txBody>
+      </p:sp>
+      <p:sp>
+        <p:nvSpPr>
+          <p:cNvPr id="3" name="Content Placeholder 2"/>
+          <p:cNvSpPr>
+            <a:spLocks noGrp="1"/>
+          </p:cNvSpPr>
+          <p:nvPr>
+            <p:ph idx="1"/>
+          </p:nvPr>
+        </p:nvSpPr>
+        <p:spPr/>
+        <p:txBody>
+          <a:bodyPr wrap="square">
+            <a:normAutofit/>
+          </a:bodyPr>
+          <a:lstStyle/>
+          <a:p>
+            <a:pPr/>
+            <a:r>
+              <a:t>The life cycle of plants is a fascinating process that plays a vital role in our ecosystem. Understanding this process can help us appreciate the importance of plants in our environment and inform strategies for their conservation and management.</a:t>
             </a:r>
           </a:p>
         </p:txBody>
@@ -6248,7 +6288,7 @@
           <a:lstStyle/>
           <a:p>
             <a:r>
-              <a:t>please create a simple presentation about the life cycle of plants</a:t>
+              <a:t>The Life Cycle of Plants</a:t>
             </a:r>
           </a:p>
         </p:txBody>
@@ -6332,7 +6372,7 @@
           <a:p>
             <a:pPr/>
             <a:r>
-              <a:t>The life cycle of plants is a complex process that involves growth, reproduction, and adaptation to the environment. Plants are essential for life on Earth, providing oxygen, food, and shelter. Understanding the life cycle of plants can help us appreciate their importance and impact on the ecosystem. This presentation will explore the different stages of a plant's life cycle.</a:t>
+              <a:t>The life cycle of plants is a complex process involving growth, reproduction, and death, which is essential for the survival of our ecosystem. Understanding this process can help us appreciate the importance of plants in our environment. Plants are the primary producers of our ecosystem, providing oxygen and food for humans and animals alike. This presentation will explore the life cycle of plants in detail.</a:t>
             </a:r>
           </a:p>
         </p:txBody>
@@ -6395,31 +6435,19 @@
           <a:p>
             <a:pPr/>
             <a:r>
-              <a:t>Seed preparation</a:t>
+              <a:t>Seed dormancy</a:t>
             </a:r>
           </a:p>
           <a:p>
             <a:pPr/>
             <a:r>
+              <a:t>Soil preparation</a:t>
+            </a:r>
+          </a:p>
+          <a:p>
+            <a:pPr/>
+            <a:r>
               <a:t>Water absorption</a:t>
-            </a:r>
-          </a:p>
-          <a:p>
-            <a:pPr/>
-            <a:r>
-              <a:t>Radicle emergence</a:t>
-            </a:r>
-          </a:p>
-          <a:p>
-            <a:pPr/>
-            <a:r>
-              <a:t>Hypocotyl growth</a:t>
-            </a:r>
-          </a:p>
-          <a:p>
-            <a:pPr/>
-            <a:r>
-              <a:t>Cotyledon development</a:t>
             </a:r>
           </a:p>
         </p:txBody>
@@ -6458,7 +6486,7 @@
           <a:lstStyle/>
           <a:p>
             <a:r>
-              <a:t>Seedling Development</a:t>
+              <a:t>Seedling Growth</a:t>
             </a:r>
           </a:p>
         </p:txBody>
@@ -6482,7 +6510,7 @@
           <a:p>
             <a:pPr/>
             <a:r>
-              <a:t>Root system establishment</a:t>
+              <a:t>Root development</a:t>
             </a:r>
           </a:p>
           <a:p>
@@ -6494,19 +6522,7 @@
           <a:p>
             <a:pPr/>
             <a:r>
-              <a:t>Leaf expansion</a:t>
-            </a:r>
-          </a:p>
-          <a:p>
-            <a:pPr/>
-            <a:r>
-              <a:t>Photosynthesis initiation</a:t>
-            </a:r>
-          </a:p>
-          <a:p>
-            <a:pPr/>
-            <a:r>
-              <a:t>Hormone regulation</a:t>
+              <a:t>Leaf emergence</a:t>
             </a:r>
           </a:p>
         </p:txBody>
@@ -6545,7 +6561,7 @@
           <a:lstStyle/>
           <a:p>
             <a:r>
-              <a:t>Vegetative Growth</a:t>
+              <a:t>Maturation</a:t>
             </a:r>
           </a:p>
         </p:txBody>
@@ -6569,31 +6585,19 @@
           <a:p>
             <a:pPr/>
             <a:r>
-              <a:t>Leaf maturation</a:t>
+              <a:t>Flower formation</a:t>
             </a:r>
           </a:p>
           <a:p>
             <a:pPr/>
             <a:r>
-              <a:t>Branching and leaf arrangement</a:t>
+              <a:t>Fruit production</a:t>
             </a:r>
           </a:p>
           <a:p>
             <a:pPr/>
             <a:r>
-              <a:t>Stem thickening</a:t>
-            </a:r>
-          </a:p>
-          <a:p>
-            <a:pPr/>
-            <a:r>
-              <a:t>Root system expansion</a:t>
-            </a:r>
-          </a:p>
-          <a:p>
-            <a:pPr/>
-            <a:r>
-              <a:t>Photosynthetic capacity increase</a:t>
+              <a:t>Seed dispersal</a:t>
             </a:r>
           </a:p>
         </p:txBody>
@@ -6632,7 +6636,7 @@
           <a:lstStyle/>
           <a:p>
             <a:r>
-              <a:t>Reproductive Stage</a:t>
+              <a:t>Photosynthesis</a:t>
             </a:r>
           </a:p>
         </p:txBody>
@@ -6656,31 +6660,19 @@
           <a:p>
             <a:pPr/>
             <a:r>
-              <a:t>Flower and fruit formation</a:t>
+              <a:t>Light absorption</a:t>
             </a:r>
           </a:p>
           <a:p>
             <a:pPr/>
             <a:r>
-              <a:t>Pollination and fertilization</a:t>
+              <a:t>Water utilization</a:t>
             </a:r>
           </a:p>
           <a:p>
             <a:pPr/>
             <a:r>
-              <a:t>Seed maturation</a:t>
-            </a:r>
-          </a:p>
-          <a:p>
-            <a:pPr/>
-            <a:r>
-              <a:t>Dispersal and germination</a:t>
-            </a:r>
-          </a:p>
-          <a:p>
-            <a:pPr/>
-            <a:r>
-              <a:t>Reproductive cycle completion</a:t>
+              <a:t>CO2 fixation</a:t>
             </a:r>
           </a:p>
         </p:txBody>
@@ -6719,7 +6711,7 @@
           <a:lstStyle/>
           <a:p>
             <a:r>
-              <a:t>Senescence and Abandonment</a:t>
+              <a:t>Reproduction</a:t>
             </a:r>
           </a:p>
         </p:txBody>
@@ -6743,31 +6735,19 @@
           <a:p>
             <a:pPr/>
             <a:r>
-              <a:t>Decline of plant growth</a:t>
+              <a:t>Pollination</a:t>
             </a:r>
           </a:p>
           <a:p>
             <a:pPr/>
             <a:r>
-              <a:t>Leaf senescence and fall</a:t>
+              <a:t>Fertilization</a:t>
             </a:r>
           </a:p>
           <a:p>
             <a:pPr/>
             <a:r>
-              <a:t>Stem decay and death</a:t>
-            </a:r>
-          </a:p>
-          <a:p>
-            <a:pPr/>
-            <a:r>
-              <a:t>Root system breakdown</a:t>
-            </a:r>
-          </a:p>
-          <a:p>
-            <a:pPr/>
-            <a:r>
-              <a:t>Nutrient recycling</a:t>
+              <a:t>Seed formation</a:t>
             </a:r>
           </a:p>
         </p:txBody>
@@ -6806,7 +6786,7 @@
           <a:lstStyle/>
           <a:p>
             <a:r>
-              <a:t>Plant Adaptation</a:t>
+              <a:t>Growth Stages</a:t>
             </a:r>
           </a:p>
         </p:txBody>
@@ -6830,31 +6810,19 @@
           <a:p>
             <a:pPr/>
             <a:r>
-              <a:t>Response to environmental changes</a:t>
+              <a:t>Seedling stage</a:t>
             </a:r>
           </a:p>
           <a:p>
             <a:pPr/>
             <a:r>
-              <a:t>Adaptation to climate and temperature</a:t>
+              <a:t>Juvenile stage</a:t>
             </a:r>
           </a:p>
           <a:p>
             <a:pPr/>
             <a:r>
-              <a:t>Resistance to pests and diseases</a:t>
-            </a:r>
-          </a:p>
-          <a:p>
-            <a:pPr/>
-            <a:r>
-              <a:t>Evolutionary adaptations</a:t>
-            </a:r>
-          </a:p>
-          <a:p>
-            <a:pPr/>
-            <a:r>
-              <a:t>Ecological niche occupation</a:t>
+              <a:t>Mature stage</a:t>
             </a:r>
           </a:p>
         </p:txBody>
